--- a/OutputFiles/CubeQuery0.pptx
+++ b/OutputFiles/CubeQuery0.pptx
@@ -4542,7 +4542,7 @@
       </p:pic>
       <p:pic>
         <p:nvPicPr>
-          <p:cNvPr id="4" name="8N25H.wav">
+          <p:cNvPr id="4" name="JQP52JOL.wav">
             <a:hlinkClick r:id="" action="ppaction://media"/>
           </p:cNvPr>
           <p:cNvPicPr>
@@ -5855,7 +5855,7 @@
       </p:graphicFrame>
       <p:pic>
         <p:nvPicPr>
-          <p:cNvPr id="4" name="OHNHJKWPH.wav">
+          <p:cNvPr id="4" name="85EPY.wav">
             <a:hlinkClick r:id="" action="ppaction://media"/>
           </p:cNvPr>
           <p:cNvPicPr>
@@ -6166,7 +6166,7 @@
       </p:sp>
       <p:pic>
         <p:nvPicPr>
-          <p:cNvPr id="4" name="S466DXU0.wav">
+          <p:cNvPr id="4" name="SAM6CWT3.wav">
             <a:hlinkClick r:id="" action="ppaction://media"/>
           </p:cNvPr>
           <p:cNvPicPr>
@@ -7011,7 +7011,7 @@
       </p:graphicFrame>
       <p:pic>
         <p:nvPicPr>
-          <p:cNvPr id="4" name="4Y4WC8.wav">
+          <p:cNvPr id="4" name="18W67R208.wav">
             <a:hlinkClick r:id="" action="ppaction://media"/>
           </p:cNvPr>
           <p:cNvPicPr>
@@ -7886,7 +7886,7 @@
       </p:graphicFrame>
       <p:pic>
         <p:nvPicPr>
-          <p:cNvPr id="4" name="4I4I9OLKS.wav">
+          <p:cNvPr id="4" name="NDETIG.wav">
             <a:hlinkClick r:id="" action="ppaction://media"/>
           </p:cNvPr>
           <p:cNvPicPr>
@@ -8197,7 +8197,7 @@
       </p:sp>
       <p:pic>
         <p:nvPicPr>
-          <p:cNvPr id="4" name="CQM4MNJ4.wav">
+          <p:cNvPr id="4" name="UI21Y89RX.wav">
             <a:hlinkClick r:id="" action="ppaction://media"/>
           </p:cNvPr>
           <p:cNvPicPr>
@@ -11166,7 +11166,7 @@
       </p:graphicFrame>
       <p:pic>
         <p:nvPicPr>
-          <p:cNvPr id="4" name="FX2TBE843.wav">
+          <p:cNvPr id="4" name="HY32O9LWD.wav">
             <a:hlinkClick r:id="" action="ppaction://media"/>
           </p:cNvPr>
           <p:cNvPicPr>
@@ -11544,7 +11544,7 @@
       </p:sp>
       <p:pic>
         <p:nvPicPr>
-          <p:cNvPr id="4" name="R55EYH0.wav">
+          <p:cNvPr id="4" name="S4MF5.wav">
             <a:hlinkClick r:id="" action="ppaction://media"/>
           </p:cNvPr>
           <p:cNvPicPr>

--- a/OutputFiles/CubeQuery0.pptx
+++ b/OutputFiles/CubeQuery0.pptx
@@ -536,7 +536,7 @@
           <a:p>
             <a:r>
               <a:rPr lang="en-US" smtClean="0"/>
-              <a:t>This is a report on the Min of work hours per week when occupation is fixed to 'Blue-collar' and education is fixed to 'Post-Secondary'. We will start by answering the original query and we complement the result with contextualization and detailed analyses.</a:t>
+              <a:t>This is a report on the Min of hours_per_week when occupation is fixed to 'Blue-collar' and education is fixed to 'Post-Secondary'. We will start by answering the original query and we complement the result with contextualization and detailed analyses.</a:t>
             </a:r>
             <a:endParaRPr lang="en-US"/>
           </a:p>
@@ -624,7 +624,7 @@
           <a:p>
             <a:r>
               <a:rPr lang="en-US" smtClean="0"/>
-              <a:t>Here, you can see the answer of the original query. You have specified occupation to be equal to 'Blue-collar', and education to be equal to 'Post-Secondary'. We report on Min of work hours per week grouped by occupation at level 0, and education at level 2 .
+              <a:t>Here, you can see the answer of the original query. You have specified occupation to be equal to 'Blue-collar', and education to be equal to 'Post-Secondary'. We report on Min of hours_per_week grouped by occupation at level 0, and education at level 2 .
 You can observe the results in this table. We highlight the largest values with red and the lowest values with blue color. 
 Column Handlers-cleaners has 4 of the 13 highest values.
 Column Machine-op-inspct has 4 of the 13 highest values.
@@ -812,7 +812,7 @@
           <a:p>
             <a:r>
               <a:rPr lang="en-US" smtClean="0"/>
-              <a:t>In this graphic, we put the original request in context by comparing the value 'Blue-collar' for occupation at level 1 with its sibling values. We highlight the reference cells with bold, the highest values with red and the lowest values with blue color. We calculate the Min of work hours per week while fixing occupation at level 2 to be equal to ''ALL'', and education at level 3 to be equal to ''Post-Secondary''.
+              <a:t>In this graphic, we put the original request in context by comparing the value 'Blue-collar' for occupation at level 1 with its sibling values. We highlight the reference cells with bold, the highest values with red and the lowest values with blue color. We calculate the Min of hours_per_week while fixing occupation at level 2 to be equal to ''ALL'', and education at level 3 to be equal to ''Post-Secondary''.
 Compared to its sibling we observe the following:
 In 1 out of 4 cases Blue-collar has higher value than Other.
 In 1 out of 4 cases Blue-collar has lower value than Other.
@@ -906,7 +906,7 @@
           <a:p>
             <a:r>
               <a:rPr lang="en-US" smtClean="0"/>
-              <a:t>In this graphic, we put the original request in context by comparing the value 'Post-Secondary' for education at level 3 with its sibling values. We highlight the reference cells with bold, the highest values with red and the lowest values with blue color. We calculate the Min of work hours per week while fixing occupation at level 1 to be equal to ''Blue-collar'', and education at level 4 to be equal to ''ALL''.
+              <a:t>In this graphic, we put the original request in context by comparing the value 'Post-Secondary' for education at level 3 with its sibling values. We highlight the reference cells with bold, the highest values with red and the lowest values with blue color. We calculate the Min of hours_per_week while fixing occupation at level 1 to be equal to ''Blue-collar'', and education at level 4 to be equal to ''ALL''.
 Compared to its sibling we observe that in 4 out of 6 cases Post-Secondary has a higher value than Without-Post-Secondary.
 In 2 out of 6 cases Post-Secondary has a lower value than Without-Post-Secondary.
 </a:t>
@@ -1086,7 +1086,7 @@
           <a:p>
             <a:r>
               <a:rPr lang="en-US" smtClean="0"/>
-              <a:t>In this slide, we expand dimension education by drilling down from level 2 to level 1. For each cell we show both the Min of work hours per week and the number of tuples that correspond to it in parentheses. We highlight the 20 lowest values in blue and the 18 largest in red color.
+              <a:t>In this slide, we expand dimension education by drilling down from level 2 to level 1. For each cell we show both the Min of hours_per_week and the number of tuples that correspond to it in parentheses. We highlight the 20 lowest values in blue and the 18 largest in red color.
 Some interesting findings include:
 Column Machine-op-inspct has 4 of the 18 highest values.
 Column Priv-house-serv has 4 of the 18 highest values.
@@ -4511,7 +4511,7 @@
             <a:pPr algn="just"/>
             <a:r>
               <a:rPr lang="en-US" b="false" sz="2000"/>
-              <a:t>This is a report on the Min of work hours per week when occupation is fixed to 'Blue-collar' and education is fixed to 'Post-Secondary'. We will start by answering the original query and we complement the result with contextualization and detailed analyses.</a:t>
+              <a:t>This is a report on the Min of hours_per_week when occupation is fixed to 'Blue-collar' and education is fixed to 'Post-Secondary'. We will start by answering the original query and we complement the result with contextualization and detailed analyses.</a:t>
             </a:r>
           </a:p>
         </p:txBody>
@@ -4542,7 +4542,7 @@
       </p:pic>
       <p:pic>
         <p:nvPicPr>
-          <p:cNvPr id="4" name="JQP52JOL.wav">
+          <p:cNvPr id="4" name="U7GSECWBA.wav">
             <a:hlinkClick r:id="" action="ppaction://media"/>
           </p:cNvPr>
           <p:cNvPicPr>
@@ -5855,7 +5855,7 @@
       </p:graphicFrame>
       <p:pic>
         <p:nvPicPr>
-          <p:cNvPr id="4" name="85EPY.wav">
+          <p:cNvPr id="4" name="X6B8DQOD.wav">
             <a:hlinkClick r:id="" action="ppaction://media"/>
           </p:cNvPr>
           <p:cNvPicPr>
@@ -6166,7 +6166,7 @@
       </p:sp>
       <p:pic>
         <p:nvPicPr>
-          <p:cNvPr id="4" name="SAM6CWT3.wav">
+          <p:cNvPr id="4" name="TA0UPRK.wav">
             <a:hlinkClick r:id="" action="ppaction://media"/>
           </p:cNvPr>
           <p:cNvPicPr>
@@ -7011,7 +7011,7 @@
       </p:graphicFrame>
       <p:pic>
         <p:nvPicPr>
-          <p:cNvPr id="4" name="18W67R208.wav">
+          <p:cNvPr id="4" name="15E5Z2E.wav">
             <a:hlinkClick r:id="" action="ppaction://media"/>
           </p:cNvPr>
           <p:cNvPicPr>
@@ -7886,7 +7886,7 @@
       </p:graphicFrame>
       <p:pic>
         <p:nvPicPr>
-          <p:cNvPr id="4" name="NDETIG.wav">
+          <p:cNvPr id="4" name="IVO4YHWIM.wav">
             <a:hlinkClick r:id="" action="ppaction://media"/>
           </p:cNvPr>
           <p:cNvPicPr>
@@ -8197,7 +8197,7 @@
       </p:sp>
       <p:pic>
         <p:nvPicPr>
-          <p:cNvPr id="4" name="UI21Y89RX.wav">
+          <p:cNvPr id="4" name="F839H.wav">
             <a:hlinkClick r:id="" action="ppaction://media"/>
           </p:cNvPr>
           <p:cNvPicPr>
@@ -11166,7 +11166,7 @@
       </p:graphicFrame>
       <p:pic>
         <p:nvPicPr>
-          <p:cNvPr id="4" name="HY32O9LWD.wav">
+          <p:cNvPr id="4" name="6JJTL4B.wav">
             <a:hlinkClick r:id="" action="ppaction://media"/>
           </p:cNvPr>
           <p:cNvPicPr>
@@ -11369,6 +11369,13 @@
             <a:pPr lvl="0"/>
             <a:r>
               <a:rPr lang="en-US" b="false" sz="1400"/>
+              <a:t>In this slide we summarize our findings.</a:t>
+            </a:r>
+          </a:p>
+          <a:p>
+            <a:pPr lvl="1"/>
+            <a:r>
+              <a:rPr lang="en-US" b="false" sz="1400"/>
               <a:t>Concerning the original query, some interesting findings include:</a:t>
             </a:r>
           </a:p>
@@ -11436,7 +11443,21 @@
             </a:r>
           </a:p>
           <a:p>
-            <a:pPr lvl="0"/>
+            <a:pPr lvl="1"/>
+            <a:r>
+              <a:rPr lang="en-US" b="false" sz="1400"/>
+              <a:t/>
+            </a:r>
+          </a:p>
+          <a:p>
+            <a:pPr lvl="1"/>
+            <a:r>
+              <a:rPr lang="en-US" b="false" sz="1400"/>
+              <a:t/>
+            </a:r>
+          </a:p>
+          <a:p>
+            <a:pPr lvl="1"/>
             <a:r>
               <a:rPr lang="en-US" b="false" sz="1400"/>
               <a:t>First, we tried to put the original result in context, by comparing its defining values with similar ones.</a:t>
@@ -11450,28 +11471,35 @@
             </a:r>
           </a:p>
           <a:p>
-            <a:pPr lvl="2"/>
+            <a:pPr lvl="1"/>
+            <a:r>
+              <a:rPr lang="en-US" b="false" sz="1400"/>
+              <a:t/>
+            </a:r>
+          </a:p>
+          <a:p>
+            <a:pPr lvl="1"/>
             <a:r>
               <a:rPr lang="en-US" b="false" sz="1400"/>
               <a:t>In 1 out of 4 cases Blue-collar has higher value than Other.</a:t>
             </a:r>
           </a:p>
           <a:p>
-            <a:pPr lvl="2"/>
+            <a:pPr lvl="1"/>
             <a:r>
               <a:rPr lang="en-US" b="false" sz="1400"/>
               <a:t>In 1 out of 4 cases Blue-collar has lower value than Other.</a:t>
             </a:r>
           </a:p>
           <a:p>
-            <a:pPr lvl="2"/>
+            <a:pPr lvl="1"/>
             <a:r>
               <a:rPr lang="en-US" b="false" sz="1400"/>
               <a:t>In 2 out of 4 cases Blue-collar has equal value than Other.</a:t>
             </a:r>
           </a:p>
           <a:p>
-            <a:pPr lvl="2"/>
+            <a:pPr lvl="1"/>
             <a:r>
               <a:rPr lang="en-US" b="false" sz="1400"/>
               <a:t>In 4 out of 4 cases Blue-collar has higher value than white-collar.</a:t>
@@ -11485,21 +11513,28 @@
             </a:r>
           </a:p>
           <a:p>
-            <a:pPr lvl="2"/>
+            <a:pPr lvl="1"/>
             <a:r>
               <a:rPr lang="en-US" b="false" sz="1400"/>
               <a:t>In 4 out of 6 cases Post-Secondary has a higher value than Without-Post-Secondary.</a:t>
             </a:r>
           </a:p>
           <a:p>
-            <a:pPr lvl="2"/>
+            <a:pPr lvl="1"/>
             <a:r>
               <a:rPr lang="en-US" b="false" sz="1400"/>
               <a:t>In 2 out of 6 cases Post-Secondary has a lower value than Without-Post-Secondary.</a:t>
             </a:r>
           </a:p>
           <a:p>
-            <a:pPr lvl="0"/>
+            <a:pPr lvl="1"/>
+            <a:r>
+              <a:rPr lang="en-US" b="false" sz="1400"/>
+              <a:t/>
+            </a:r>
+          </a:p>
+          <a:p>
+            <a:pPr lvl="1"/>
             <a:r>
               <a:rPr lang="en-US" b="false" sz="1400"/>
               <a:t>Then we analyzed the results by drilling down one level in the hierarchy.</a:t>
@@ -11513,28 +11548,35 @@
             </a:r>
           </a:p>
           <a:p>
-            <a:pPr lvl="2"/>
+            <a:pPr lvl="1"/>
+            <a:r>
+              <a:rPr lang="en-US" b="false" sz="1400"/>
+              <a:t/>
+            </a:r>
+          </a:p>
+          <a:p>
+            <a:pPr lvl="1"/>
             <a:r>
               <a:rPr lang="en-US" b="false" sz="1400"/>
               <a:t>Column Machine-op-inspct has 4 of the 18 highest values.</a:t>
             </a:r>
           </a:p>
           <a:p>
-            <a:pPr lvl="2"/>
+            <a:pPr lvl="1"/>
             <a:r>
               <a:rPr lang="en-US" b="false" sz="1400"/>
               <a:t>Column Priv-house-serv has 4 of the 18 highest values.</a:t>
             </a:r>
           </a:p>
           <a:p>
-            <a:pPr lvl="2"/>
+            <a:pPr lvl="1"/>
             <a:r>
               <a:rPr lang="en-US" b="false" sz="1400"/>
               <a:t>Column Craft-repair has 5 of the 20 lowest values.</a:t>
             </a:r>
           </a:p>
           <a:p>
-            <a:pPr lvl="2"/>
+            <a:pPr lvl="1"/>
             <a:r>
               <a:rPr lang="en-US" b="false" sz="1400"/>
               <a:t>Column Transport-moving has 5 of the 20 lowest values.</a:t>
@@ -11544,7 +11586,7 @@
       </p:sp>
       <p:pic>
         <p:nvPicPr>
-          <p:cNvPr id="4" name="S4MF5.wav">
+          <p:cNvPr id="4" name="AGCYWCWA.wav">
             <a:hlinkClick r:id="" action="ppaction://media"/>
           </p:cNvPr>
           <p:cNvPicPr>
